--- a/docs/Lectures/Week02/Week02_SoftwareInstallation.pptx
+++ b/docs/Lectures/Week02/Week02_SoftwareInstallation.pptx
@@ -14,13 +14,16 @@
     <p:sldId id="291" r:id="rId8"/>
     <p:sldId id="292" r:id="rId9"/>
     <p:sldId id="293" r:id="rId10"/>
-    <p:sldId id="294" r:id="rId11"/>
-    <p:sldId id="295" r:id="rId12"/>
-    <p:sldId id="296" r:id="rId13"/>
-    <p:sldId id="298" r:id="rId14"/>
-    <p:sldId id="297" r:id="rId15"/>
-    <p:sldId id="299" r:id="rId16"/>
-    <p:sldId id="265" r:id="rId17"/>
+    <p:sldId id="295" r:id="rId11"/>
+    <p:sldId id="296" r:id="rId12"/>
+    <p:sldId id="298" r:id="rId13"/>
+    <p:sldId id="297" r:id="rId14"/>
+    <p:sldId id="305" r:id="rId15"/>
+    <p:sldId id="300" r:id="rId16"/>
+    <p:sldId id="302" r:id="rId17"/>
+    <p:sldId id="301" r:id="rId18"/>
+    <p:sldId id="303" r:id="rId19"/>
+    <p:sldId id="265" r:id="rId20"/>
   </p:sldIdLst>
   <p:sldSz cx="12192000" cy="6858000"/>
   <p:notesSz cx="6858000" cy="9144000"/>
@@ -365,7 +368,7 @@
           <a:p>
             <a:fld id="{ED291B17-9318-49DB-B28B-6E5994AE9581}" type="datetime1">
               <a:rPr lang="en-US" smtClean="0"/>
-              <a:t>12/27/2024</a:t>
+              <a:t>12/28/2024</a:t>
             </a:fld>
             <a:endParaRPr lang="en-US" dirty="0"/>
           </a:p>
@@ -568,7 +571,7 @@
           <a:p>
             <a:fld id="{2CED4963-E985-44C4-B8C4-FDD613B7C2F8}" type="datetime1">
               <a:rPr lang="en-US" smtClean="0"/>
-              <a:t>12/27/2024</a:t>
+              <a:t>12/28/2024</a:t>
             </a:fld>
             <a:endParaRPr lang="en-US" dirty="0"/>
           </a:p>
@@ -930,7 +933,7 @@
           <a:p>
             <a:fld id="{ED291B17-9318-49DB-B28B-6E5994AE9581}" type="datetime1">
               <a:rPr lang="en-US" smtClean="0"/>
-              <a:t>12/27/2024</a:t>
+              <a:t>12/28/2024</a:t>
             </a:fld>
             <a:endParaRPr lang="en-US" dirty="0"/>
           </a:p>
@@ -1127,7 +1130,7 @@
           <a:p>
             <a:fld id="{78DD82B9-B8EE-4375-B6FF-88FA6ABB15D9}" type="datetime1">
               <a:rPr lang="en-US" smtClean="0"/>
-              <a:t>12/27/2024</a:t>
+              <a:t>12/28/2024</a:t>
             </a:fld>
             <a:endParaRPr lang="en-US" dirty="0"/>
           </a:p>
@@ -1438,7 +1441,7 @@
           <a:p>
             <a:fld id="{B2497495-0637-405E-AE64-5CC7506D51F5}" type="datetime1">
               <a:rPr lang="en-US" smtClean="0"/>
-              <a:t>12/27/2024</a:t>
+              <a:t>12/28/2024</a:t>
             </a:fld>
             <a:endParaRPr lang="en-US" dirty="0"/>
           </a:p>
@@ -1691,7 +1694,7 @@
           <a:p>
             <a:fld id="{7BFFD690-9426-415D-8B65-26881E07B2D4}" type="datetime1">
               <a:rPr lang="en-US" smtClean="0"/>
-              <a:t>12/27/2024</a:t>
+              <a:t>12/28/2024</a:t>
             </a:fld>
             <a:endParaRPr lang="en-US" dirty="0"/>
           </a:p>
@@ -2113,7 +2116,7 @@
           <a:p>
             <a:fld id="{04C4989A-474C-40DE-95B9-011C28B71673}" type="datetime1">
               <a:rPr lang="en-US" smtClean="0"/>
-              <a:t>12/27/2024</a:t>
+              <a:t>12/28/2024</a:t>
             </a:fld>
             <a:endParaRPr lang="en-US" dirty="0"/>
           </a:p>
@@ -2236,7 +2239,7 @@
           <a:p>
             <a:fld id="{5DB4ED54-5B5E-4A04-93D3-5772E3CE3818}" type="datetime1">
               <a:rPr lang="en-US" smtClean="0"/>
-              <a:t>12/27/2024</a:t>
+              <a:t>12/28/2024</a:t>
             </a:fld>
             <a:endParaRPr lang="en-US" dirty="0"/>
           </a:p>
@@ -2331,7 +2334,7 @@
           <a:p>
             <a:fld id="{4EDE50D6-574B-40AF-946F-D52A04ADE379}" type="datetime1">
               <a:rPr lang="en-US" smtClean="0"/>
-              <a:t>12/27/2024</a:t>
+              <a:t>12/28/2024</a:t>
             </a:fld>
             <a:endParaRPr lang="en-US" dirty="0"/>
           </a:p>
@@ -2708,7 +2711,7 @@
           <a:p>
             <a:fld id="{D82884F1-FFEA-405F-9602-3DCA865EDA4E}" type="datetime1">
               <a:rPr lang="en-US" smtClean="0"/>
-              <a:t>12/27/2024</a:t>
+              <a:t>12/28/2024</a:t>
             </a:fld>
             <a:endParaRPr lang="en-US" dirty="0"/>
           </a:p>
@@ -3001,7 +3004,7 @@
           <a:p>
             <a:fld id="{7E18DB4A-8810-4A10-AD5C-D5E2C667F5B3}" type="datetime1">
               <a:rPr lang="en-US" smtClean="0"/>
-              <a:t>12/27/2024</a:t>
+              <a:t>12/28/2024</a:t>
             </a:fld>
             <a:endParaRPr lang="en-US" dirty="0"/>
           </a:p>
@@ -3216,7 +3219,7 @@
           <a:p>
             <a:fld id="{ED291B17-9318-49DB-B28B-6E5994AE9581}" type="datetime1">
               <a:rPr lang="en-US" smtClean="0"/>
-              <a:t>12/27/2024</a:t>
+              <a:t>12/28/2024</a:t>
             </a:fld>
             <a:endParaRPr lang="en-US" dirty="0"/>
           </a:p>
@@ -4262,7 +4265,7 @@
           <p:cNvPr id="2" name="Title 1">
             <a:extLst>
               <a:ext uri="{FF2B5EF4-FFF2-40B4-BE49-F238E27FC236}">
-                <a16:creationId xmlns:a16="http://schemas.microsoft.com/office/drawing/2014/main" id="{EE44A0AD-576B-1FA6-97F9-797BFA4C0CCE}"/>
+                <a16:creationId xmlns:a16="http://schemas.microsoft.com/office/drawing/2014/main" id="{96BB45D1-023D-8D20-F639-6127AB747380}"/>
               </a:ext>
             </a:extLst>
           </p:cNvPr>
@@ -4276,28 +4279,69 @@
         <p:spPr>
           <a:xfrm>
             <a:off x="581192" y="702156"/>
-            <a:ext cx="11029616" cy="504852"/>
+            <a:ext cx="11029616" cy="578004"/>
           </a:xfrm>
         </p:spPr>
         <p:txBody>
           <a:bodyPr>
-            <a:normAutofit fontScale="90000"/>
+            <a:normAutofit/>
           </a:bodyPr>
           <a:lstStyle/>
           <a:p>
             <a:r>
               <a:rPr lang="en-US" dirty="0"/>
-              <a:t>installation</a:t>
+              <a:t>Installation OF POSTGIS</a:t>
+            </a:r>
+          </a:p>
+        </p:txBody>
+      </p:sp>
+      <p:sp>
+        <p:nvSpPr>
+          <p:cNvPr id="3" name="Content Placeholder 2">
+            <a:extLst>
+              <a:ext uri="{FF2B5EF4-FFF2-40B4-BE49-F238E27FC236}">
+                <a16:creationId xmlns:a16="http://schemas.microsoft.com/office/drawing/2014/main" id="{4CF6B9CD-4188-D9BF-0871-0E43B303FF19}"/>
+              </a:ext>
+            </a:extLst>
+          </p:cNvPr>
+          <p:cNvSpPr>
+            <a:spLocks noGrp="1"/>
+          </p:cNvSpPr>
+          <p:nvPr>
+            <p:ph idx="1"/>
+          </p:nvPr>
+        </p:nvSpPr>
+        <p:spPr>
+          <a:xfrm>
+            <a:off x="581192" y="1426464"/>
+            <a:ext cx="11029615" cy="704088"/>
+          </a:xfrm>
+        </p:spPr>
+        <p:txBody>
+          <a:bodyPr/>
+          <a:lstStyle/>
+          <a:p>
+            <a:r>
+              <a:rPr lang="en-US" dirty="0"/>
+              <a:t>Install </a:t>
+            </a:r>
+            <a:r>
+              <a:rPr lang="en-US" dirty="0" err="1"/>
+              <a:t>PostGIS</a:t>
+            </a:r>
+            <a:r>
+              <a:rPr lang="en-US" dirty="0"/>
+              <a:t> extension</a:t>
             </a:r>
           </a:p>
         </p:txBody>
       </p:sp>
       <p:pic>
         <p:nvPicPr>
-          <p:cNvPr id="5" name="Picture 4">
+          <p:cNvPr id="7" name="Picture 6">
             <a:extLst>
               <a:ext uri="{FF2B5EF4-FFF2-40B4-BE49-F238E27FC236}">
-                <a16:creationId xmlns:a16="http://schemas.microsoft.com/office/drawing/2014/main" id="{902A20DA-8EA8-D8C6-0951-1FFEE0528250}"/>
+                <a16:creationId xmlns:a16="http://schemas.microsoft.com/office/drawing/2014/main" id="{32F240DE-440F-473A-A091-0036CAF589EC}"/>
               </a:ext>
             </a:extLst>
           </p:cNvPr>
@@ -4314,288 +4358,18 @@
         </p:blipFill>
         <p:spPr>
           <a:xfrm>
-            <a:off x="5881878" y="2176653"/>
-            <a:ext cx="5219700" cy="4095750"/>
+            <a:off x="5480136" y="2419732"/>
+            <a:ext cx="6048375" cy="1685925"/>
           </a:xfrm>
           <a:prstGeom prst="rect">
             <a:avLst/>
           </a:prstGeom>
         </p:spPr>
       </p:pic>
-      <p:sp>
-        <p:nvSpPr>
-          <p:cNvPr id="6" name="Content Placeholder 2">
-            <a:extLst>
-              <a:ext uri="{FF2B5EF4-FFF2-40B4-BE49-F238E27FC236}">
-                <a16:creationId xmlns:a16="http://schemas.microsoft.com/office/drawing/2014/main" id="{A6846F5D-63B5-2F88-9C7F-EE4D9189DF8A}"/>
-              </a:ext>
-            </a:extLst>
-          </p:cNvPr>
-          <p:cNvSpPr txBox="1">
-            <a:spLocks/>
-          </p:cNvSpPr>
-          <p:nvPr/>
-        </p:nvSpPr>
-        <p:spPr>
-          <a:xfrm>
-            <a:off x="581192" y="1643443"/>
-            <a:ext cx="4749759" cy="1066419"/>
-          </a:xfrm>
-          <a:prstGeom prst="rect">
-            <a:avLst/>
-          </a:prstGeom>
-        </p:spPr>
-        <p:txBody>
-          <a:bodyPr vert="horz" lIns="91440" tIns="45720" rIns="91440" bIns="45720" rtlCol="0" anchor="ctr">
-            <a:normAutofit/>
-          </a:bodyPr>
-          <a:lstStyle>
-            <a:lvl1pPr marL="306000" indent="-306000" algn="l" defTabSz="457200" rtl="0" eaLnBrk="1" latinLnBrk="0" hangingPunct="1">
-              <a:lnSpc>
-                <a:spcPct val="100000"/>
-              </a:lnSpc>
-              <a:spcBef>
-                <a:spcPct val="20000"/>
-              </a:spcBef>
-              <a:spcAft>
-                <a:spcPts val="600"/>
-              </a:spcAft>
-              <a:buClr>
-                <a:schemeClr val="accent1"/>
-              </a:buClr>
-              <a:buSzPct val="92000"/>
-              <a:buFont typeface="Wingdings 2" panose="05020102010507070707" pitchFamily="18" charset="2"/>
-              <a:buChar char=""/>
-              <a:defRPr sz="1800" kern="1200">
-                <a:solidFill>
-                  <a:schemeClr val="tx1">
-                    <a:lumMod val="75000"/>
-                    <a:lumOff val="25000"/>
-                  </a:schemeClr>
-                </a:solidFill>
-                <a:latin typeface="+mn-lt"/>
-                <a:ea typeface="+mn-ea"/>
-                <a:cs typeface="+mn-cs"/>
-              </a:defRPr>
-            </a:lvl1pPr>
-            <a:lvl2pPr marL="630000" indent="-306000" algn="l" defTabSz="457200" rtl="0" eaLnBrk="1" latinLnBrk="0" hangingPunct="1">
-              <a:lnSpc>
-                <a:spcPct val="100000"/>
-              </a:lnSpc>
-              <a:spcBef>
-                <a:spcPct val="20000"/>
-              </a:spcBef>
-              <a:spcAft>
-                <a:spcPts val="600"/>
-              </a:spcAft>
-              <a:buClr>
-                <a:schemeClr val="accent1"/>
-              </a:buClr>
-              <a:buSzPct val="92000"/>
-              <a:buFont typeface="Wingdings 2" panose="05020102010507070707" pitchFamily="18" charset="2"/>
-              <a:buChar char=""/>
-              <a:defRPr sz="1600" kern="1200">
-                <a:solidFill>
-                  <a:schemeClr val="tx1">
-                    <a:lumMod val="75000"/>
-                    <a:lumOff val="25000"/>
-                  </a:schemeClr>
-                </a:solidFill>
-                <a:latin typeface="+mn-lt"/>
-                <a:ea typeface="+mn-ea"/>
-                <a:cs typeface="+mn-cs"/>
-              </a:defRPr>
-            </a:lvl2pPr>
-            <a:lvl3pPr marL="900000" indent="-270000" algn="l" defTabSz="457200" rtl="0" eaLnBrk="1" latinLnBrk="0" hangingPunct="1">
-              <a:lnSpc>
-                <a:spcPct val="100000"/>
-              </a:lnSpc>
-              <a:spcBef>
-                <a:spcPct val="20000"/>
-              </a:spcBef>
-              <a:spcAft>
-                <a:spcPts val="600"/>
-              </a:spcAft>
-              <a:buClr>
-                <a:schemeClr val="accent1"/>
-              </a:buClr>
-              <a:buSzPct val="92000"/>
-              <a:buFont typeface="Wingdings 2" panose="05020102010507070707" pitchFamily="18" charset="2"/>
-              <a:buChar char=""/>
-              <a:defRPr sz="1400" kern="1200">
-                <a:solidFill>
-                  <a:schemeClr val="tx1">
-                    <a:lumMod val="75000"/>
-                    <a:lumOff val="25000"/>
-                  </a:schemeClr>
-                </a:solidFill>
-                <a:latin typeface="+mn-lt"/>
-                <a:ea typeface="+mn-ea"/>
-                <a:cs typeface="+mn-cs"/>
-              </a:defRPr>
-            </a:lvl3pPr>
-            <a:lvl4pPr marL="1242000" indent="-234000" algn="l" defTabSz="457200" rtl="0" eaLnBrk="1" latinLnBrk="0" hangingPunct="1">
-              <a:lnSpc>
-                <a:spcPct val="100000"/>
-              </a:lnSpc>
-              <a:spcBef>
-                <a:spcPct val="20000"/>
-              </a:spcBef>
-              <a:spcAft>
-                <a:spcPts val="600"/>
-              </a:spcAft>
-              <a:buClr>
-                <a:schemeClr val="accent1"/>
-              </a:buClr>
-              <a:buSzPct val="92000"/>
-              <a:buFont typeface="Wingdings 2" panose="05020102010507070707" pitchFamily="18" charset="2"/>
-              <a:buChar char=""/>
-              <a:defRPr sz="1200" kern="1200">
-                <a:solidFill>
-                  <a:schemeClr val="tx1">
-                    <a:lumMod val="75000"/>
-                    <a:lumOff val="25000"/>
-                  </a:schemeClr>
-                </a:solidFill>
-                <a:latin typeface="+mn-lt"/>
-                <a:ea typeface="+mn-ea"/>
-                <a:cs typeface="+mn-cs"/>
-              </a:defRPr>
-            </a:lvl4pPr>
-            <a:lvl5pPr marL="1602000" indent="-234000" algn="l" defTabSz="457200" rtl="0" eaLnBrk="1" latinLnBrk="0" hangingPunct="1">
-              <a:lnSpc>
-                <a:spcPct val="100000"/>
-              </a:lnSpc>
-              <a:spcBef>
-                <a:spcPct val="20000"/>
-              </a:spcBef>
-              <a:spcAft>
-                <a:spcPts val="600"/>
-              </a:spcAft>
-              <a:buClr>
-                <a:schemeClr val="accent1"/>
-              </a:buClr>
-              <a:buSzPct val="92000"/>
-              <a:buFont typeface="Wingdings 2" panose="05020102010507070707" pitchFamily="18" charset="2"/>
-              <a:buChar char=""/>
-              <a:defRPr sz="1200" kern="1200">
-                <a:solidFill>
-                  <a:schemeClr val="tx1">
-                    <a:lumMod val="75000"/>
-                    <a:lumOff val="25000"/>
-                  </a:schemeClr>
-                </a:solidFill>
-                <a:latin typeface="+mn-lt"/>
-                <a:ea typeface="+mn-ea"/>
-                <a:cs typeface="+mn-cs"/>
-              </a:defRPr>
-            </a:lvl5pPr>
-            <a:lvl6pPr marL="1900000" indent="-228600" algn="l" defTabSz="457200" rtl="0" eaLnBrk="1" latinLnBrk="0" hangingPunct="1">
-              <a:spcBef>
-                <a:spcPct val="20000"/>
-              </a:spcBef>
-              <a:spcAft>
-                <a:spcPts val="600"/>
-              </a:spcAft>
-              <a:buClr>
-                <a:schemeClr val="accent2"/>
-              </a:buClr>
-              <a:buSzPct val="92000"/>
-              <a:buFont typeface="Wingdings 2" panose="05020102010507070707" pitchFamily="18" charset="2"/>
-              <a:buChar char=""/>
-              <a:defRPr sz="1200" kern="1200">
-                <a:solidFill>
-                  <a:schemeClr val="tx2"/>
-                </a:solidFill>
-                <a:latin typeface="+mn-lt"/>
-                <a:ea typeface="+mn-ea"/>
-                <a:cs typeface="+mn-cs"/>
-              </a:defRPr>
-            </a:lvl6pPr>
-            <a:lvl7pPr marL="2200000" indent="-228600" algn="l" defTabSz="457200" rtl="0" eaLnBrk="1" latinLnBrk="0" hangingPunct="1">
-              <a:spcBef>
-                <a:spcPct val="20000"/>
-              </a:spcBef>
-              <a:spcAft>
-                <a:spcPts val="600"/>
-              </a:spcAft>
-              <a:buClr>
-                <a:schemeClr val="accent2"/>
-              </a:buClr>
-              <a:buSzPct val="92000"/>
-              <a:buFont typeface="Wingdings 2" panose="05020102010507070707" pitchFamily="18" charset="2"/>
-              <a:buChar char=""/>
-              <a:defRPr sz="1200" kern="1200">
-                <a:solidFill>
-                  <a:schemeClr val="tx2"/>
-                </a:solidFill>
-                <a:latin typeface="+mn-lt"/>
-                <a:ea typeface="+mn-ea"/>
-                <a:cs typeface="+mn-cs"/>
-              </a:defRPr>
-            </a:lvl7pPr>
-            <a:lvl8pPr marL="2500000" indent="-228600" algn="l" defTabSz="457200" rtl="0" eaLnBrk="1" latinLnBrk="0" hangingPunct="1">
-              <a:spcBef>
-                <a:spcPct val="20000"/>
-              </a:spcBef>
-              <a:spcAft>
-                <a:spcPts val="600"/>
-              </a:spcAft>
-              <a:buClr>
-                <a:schemeClr val="accent2"/>
-              </a:buClr>
-              <a:buSzPct val="92000"/>
-              <a:buFont typeface="Wingdings 2" panose="05020102010507070707" pitchFamily="18" charset="2"/>
-              <a:buChar char=""/>
-              <a:defRPr sz="1200" kern="1200">
-                <a:solidFill>
-                  <a:schemeClr val="tx2"/>
-                </a:solidFill>
-                <a:latin typeface="+mn-lt"/>
-                <a:ea typeface="+mn-ea"/>
-                <a:cs typeface="+mn-cs"/>
-              </a:defRPr>
-            </a:lvl8pPr>
-            <a:lvl9pPr marL="2800000" indent="-228600" algn="l" defTabSz="457200" rtl="0" eaLnBrk="1" latinLnBrk="0" hangingPunct="1">
-              <a:spcBef>
-                <a:spcPct val="20000"/>
-              </a:spcBef>
-              <a:spcAft>
-                <a:spcPts val="600"/>
-              </a:spcAft>
-              <a:buClr>
-                <a:schemeClr val="accent2"/>
-              </a:buClr>
-              <a:buSzPct val="92000"/>
-              <a:buFont typeface="Wingdings 2" panose="05020102010507070707" pitchFamily="18" charset="2"/>
-              <a:buChar char=""/>
-              <a:defRPr sz="1200" kern="1200">
-                <a:solidFill>
-                  <a:schemeClr val="tx2"/>
-                </a:solidFill>
-                <a:latin typeface="+mn-lt"/>
-                <a:ea typeface="+mn-ea"/>
-                <a:cs typeface="+mn-cs"/>
-              </a:defRPr>
-            </a:lvl9pPr>
-          </a:lstStyle>
-          <a:p>
-            <a:r>
-              <a:rPr lang="en-US" dirty="0"/>
-              <a:t>Set up the download directory for </a:t>
-            </a:r>
-            <a:r>
-              <a:rPr lang="en-US" dirty="0" err="1"/>
-              <a:t>Npgsql</a:t>
-            </a:r>
-            <a:endParaRPr lang="en-US" dirty="0"/>
-          </a:p>
-        </p:txBody>
-      </p:sp>
     </p:spTree>
     <p:extLst>
       <p:ext uri="{BB962C8B-B14F-4D97-AF65-F5344CB8AC3E}">
-        <p14:creationId xmlns:p14="http://schemas.microsoft.com/office/powerpoint/2010/main" val="368312791"/>
+        <p14:creationId xmlns:p14="http://schemas.microsoft.com/office/powerpoint/2010/main" val="430944874"/>
       </p:ext>
     </p:extLst>
   </p:cSld>
@@ -4627,7 +4401,7 @@
           <p:cNvPr id="2" name="Title 1">
             <a:extLst>
               <a:ext uri="{FF2B5EF4-FFF2-40B4-BE49-F238E27FC236}">
-                <a16:creationId xmlns:a16="http://schemas.microsoft.com/office/drawing/2014/main" id="{96BB45D1-023D-8D20-F639-6127AB747380}"/>
+                <a16:creationId xmlns:a16="http://schemas.microsoft.com/office/drawing/2014/main" id="{4DADF5B7-5335-DFA0-2568-5008D20086F2}"/>
               </a:ext>
             </a:extLst>
           </p:cNvPr>
@@ -4641,18 +4415,16 @@
         <p:spPr>
           <a:xfrm>
             <a:off x="581192" y="702156"/>
-            <a:ext cx="11029616" cy="578004"/>
-          </a:xfrm>
-        </p:spPr>
-        <p:txBody>
-          <a:bodyPr>
-            <a:normAutofit/>
-          </a:bodyPr>
+            <a:ext cx="11029616" cy="541428"/>
+          </a:xfrm>
+        </p:spPr>
+        <p:txBody>
+          <a:bodyPr/>
           <a:lstStyle/>
           <a:p>
             <a:r>
               <a:rPr lang="en-US" dirty="0"/>
-              <a:t>installation</a:t>
+              <a:t>Installation OF POSTGIS</a:t>
             </a:r>
           </a:p>
         </p:txBody>
@@ -4662,7 +4434,7 @@
           <p:cNvPr id="3" name="Content Placeholder 2">
             <a:extLst>
               <a:ext uri="{FF2B5EF4-FFF2-40B4-BE49-F238E27FC236}">
-                <a16:creationId xmlns:a16="http://schemas.microsoft.com/office/drawing/2014/main" id="{4CF6B9CD-4188-D9BF-0871-0E43B303FF19}"/>
+                <a16:creationId xmlns:a16="http://schemas.microsoft.com/office/drawing/2014/main" id="{B856A2F8-3B11-B0C6-6BB7-88C6911D10EF}"/>
               </a:ext>
             </a:extLst>
           </p:cNvPr>
@@ -4675,24 +4447,27 @@
         </p:nvSpPr>
         <p:spPr>
           <a:xfrm>
-            <a:off x="581192" y="2340864"/>
-            <a:ext cx="11029615" cy="704088"/>
+            <a:off x="581192" y="1463040"/>
+            <a:ext cx="11029615" cy="667512"/>
           </a:xfrm>
         </p:spPr>
         <p:txBody>
           <a:bodyPr/>
           <a:lstStyle/>
           <a:p>
-            <a:endParaRPr lang="en-US" dirty="0"/>
+            <a:r>
+              <a:rPr lang="en-US" dirty="0"/>
+              <a:t>Select ‘Create Spatial Database’</a:t>
+            </a:r>
           </a:p>
         </p:txBody>
       </p:sp>
       <p:pic>
         <p:nvPicPr>
-          <p:cNvPr id="7" name="Picture 6">
+          <p:cNvPr id="5" name="Picture 4">
             <a:extLst>
               <a:ext uri="{FF2B5EF4-FFF2-40B4-BE49-F238E27FC236}">
-                <a16:creationId xmlns:a16="http://schemas.microsoft.com/office/drawing/2014/main" id="{32F240DE-440F-473A-A091-0036CAF589EC}"/>
+                <a16:creationId xmlns:a16="http://schemas.microsoft.com/office/drawing/2014/main" id="{5CBC8622-6890-C21C-9A3C-2EE5E21E3660}"/>
               </a:ext>
             </a:extLst>
           </p:cNvPr>
@@ -4709,8 +4484,8 @@
         </p:blipFill>
         <p:spPr>
           <a:xfrm>
-            <a:off x="5650420" y="3429000"/>
-            <a:ext cx="6048375" cy="1685925"/>
+            <a:off x="6857832" y="2561844"/>
+            <a:ext cx="4752975" cy="3848100"/>
           </a:xfrm>
           <a:prstGeom prst="rect">
             <a:avLst/>
@@ -4720,7 +4495,7 @@
     </p:spTree>
     <p:extLst>
       <p:ext uri="{BB962C8B-B14F-4D97-AF65-F5344CB8AC3E}">
-        <p14:creationId xmlns:p14="http://schemas.microsoft.com/office/powerpoint/2010/main" val="430944874"/>
+        <p14:creationId xmlns:p14="http://schemas.microsoft.com/office/powerpoint/2010/main" val="2192376728"/>
       </p:ext>
     </p:extLst>
   </p:cSld>
@@ -4752,7 +4527,7 @@
           <p:cNvPr id="2" name="Title 1">
             <a:extLst>
               <a:ext uri="{FF2B5EF4-FFF2-40B4-BE49-F238E27FC236}">
-                <a16:creationId xmlns:a16="http://schemas.microsoft.com/office/drawing/2014/main" id="{4DADF5B7-5335-DFA0-2568-5008D20086F2}"/>
+                <a16:creationId xmlns:a16="http://schemas.microsoft.com/office/drawing/2014/main" id="{889DB0F0-9BB8-CADF-6F21-0C33681FEC95}"/>
               </a:ext>
             </a:extLst>
           </p:cNvPr>
@@ -4766,7 +4541,7 @@
         <p:spPr>
           <a:xfrm>
             <a:off x="581192" y="702156"/>
-            <a:ext cx="11029616" cy="541428"/>
+            <a:ext cx="11029616" cy="614580"/>
           </a:xfrm>
         </p:spPr>
         <p:txBody>
@@ -4775,7 +4550,7 @@
           <a:p>
             <a:r>
               <a:rPr lang="en-US" dirty="0"/>
-              <a:t>installation</a:t>
+              <a:t>Installation OF POSTGIS</a:t>
             </a:r>
           </a:p>
         </p:txBody>
@@ -4785,7 +4560,7 @@
           <p:cNvPr id="3" name="Content Placeholder 2">
             <a:extLst>
               <a:ext uri="{FF2B5EF4-FFF2-40B4-BE49-F238E27FC236}">
-                <a16:creationId xmlns:a16="http://schemas.microsoft.com/office/drawing/2014/main" id="{B856A2F8-3B11-B0C6-6BB7-88C6911D10EF}"/>
+                <a16:creationId xmlns:a16="http://schemas.microsoft.com/office/drawing/2014/main" id="{3D7B97C2-387C-D45D-593D-1CA24B064BDD}"/>
               </a:ext>
             </a:extLst>
           </p:cNvPr>
@@ -4798,27 +4573,43 @@
         </p:nvSpPr>
         <p:spPr>
           <a:xfrm>
-            <a:off x="581192" y="1463040"/>
-            <a:ext cx="11029615" cy="667512"/>
-          </a:xfrm>
-        </p:spPr>
-        <p:txBody>
-          <a:bodyPr/>
+            <a:off x="581192" y="1485900"/>
+            <a:ext cx="11029615" cy="685800"/>
+          </a:xfrm>
+        </p:spPr>
+        <p:txBody>
+          <a:bodyPr>
+            <a:normAutofit fontScale="92500" lnSpcReduction="10000"/>
+          </a:bodyPr>
           <a:lstStyle/>
           <a:p>
             <a:r>
               <a:rPr lang="en-US" dirty="0"/>
-              <a:t>Select ‘Create Spatial Database’</a:t>
+              <a:t>Set up the destination folder (</a:t>
+            </a:r>
+            <a:r>
+              <a:rPr lang="en-US" dirty="0" err="1"/>
+              <a:t>PostGIS</a:t>
+            </a:r>
+            <a:r>
+              <a:rPr lang="en-US" dirty="0"/>
+              <a:t> must be installed within the PostgreSQL folder where PostgreSQL is stored)</a:t>
+            </a:r>
+          </a:p>
+          <a:p>
+            <a:r>
+              <a:rPr lang="en-US" dirty="0"/>
+              <a:t>If you accept the default path (C:\) when you install PostgreSQL, in this step, please also accept the default path</a:t>
             </a:r>
           </a:p>
         </p:txBody>
       </p:sp>
       <p:pic>
         <p:nvPicPr>
-          <p:cNvPr id="5" name="Picture 4">
+          <p:cNvPr id="7" name="Picture 6">
             <a:extLst>
               <a:ext uri="{FF2B5EF4-FFF2-40B4-BE49-F238E27FC236}">
-                <a16:creationId xmlns:a16="http://schemas.microsoft.com/office/drawing/2014/main" id="{5CBC8622-6890-C21C-9A3C-2EE5E21E3660}"/>
+                <a16:creationId xmlns:a16="http://schemas.microsoft.com/office/drawing/2014/main" id="{88832CD7-B226-CD0A-5DF2-0F07A767BC14}"/>
               </a:ext>
             </a:extLst>
           </p:cNvPr>
@@ -4835,8 +4626,8 @@
         </p:blipFill>
         <p:spPr>
           <a:xfrm>
-            <a:off x="6857832" y="2561844"/>
-            <a:ext cx="4752975" cy="3848100"/>
+            <a:off x="4085071" y="2698734"/>
+            <a:ext cx="4714875" cy="3667125"/>
           </a:xfrm>
           <a:prstGeom prst="rect">
             <a:avLst/>
@@ -4846,7 +4637,7 @@
     </p:spTree>
     <p:extLst>
       <p:ext uri="{BB962C8B-B14F-4D97-AF65-F5344CB8AC3E}">
-        <p14:creationId xmlns:p14="http://schemas.microsoft.com/office/powerpoint/2010/main" val="2192376728"/>
+        <p14:creationId xmlns:p14="http://schemas.microsoft.com/office/powerpoint/2010/main" val="19565603"/>
       </p:ext>
     </p:extLst>
   </p:cSld>
@@ -4878,7 +4669,7 @@
           <p:cNvPr id="2" name="Title 1">
             <a:extLst>
               <a:ext uri="{FF2B5EF4-FFF2-40B4-BE49-F238E27FC236}">
-                <a16:creationId xmlns:a16="http://schemas.microsoft.com/office/drawing/2014/main" id="{889DB0F0-9BB8-CADF-6F21-0C33681FEC95}"/>
+                <a16:creationId xmlns:a16="http://schemas.microsoft.com/office/drawing/2014/main" id="{1AE27A90-D587-F32D-AC89-E3CE7D94A21B}"/>
               </a:ext>
             </a:extLst>
           </p:cNvPr>
@@ -4892,7 +4683,7 @@
         <p:spPr>
           <a:xfrm>
             <a:off x="581192" y="702156"/>
-            <a:ext cx="11029616" cy="614580"/>
+            <a:ext cx="11029616" cy="596292"/>
           </a:xfrm>
         </p:spPr>
         <p:txBody>
@@ -4901,7 +4692,7 @@
           <a:p>
             <a:r>
               <a:rPr lang="en-US" dirty="0"/>
-              <a:t>installation</a:t>
+              <a:t>Installation OF POSTGIS</a:t>
             </a:r>
           </a:p>
         </p:txBody>
@@ -4911,7 +4702,7 @@
           <p:cNvPr id="3" name="Content Placeholder 2">
             <a:extLst>
               <a:ext uri="{FF2B5EF4-FFF2-40B4-BE49-F238E27FC236}">
-                <a16:creationId xmlns:a16="http://schemas.microsoft.com/office/drawing/2014/main" id="{3D7B97C2-387C-D45D-593D-1CA24B064BDD}"/>
+                <a16:creationId xmlns:a16="http://schemas.microsoft.com/office/drawing/2014/main" id="{A2839BFB-6CB5-C0A9-61F1-41ACEC15E726}"/>
               </a:ext>
             </a:extLst>
           </p:cNvPr>
@@ -4924,43 +4715,35 @@
         </p:nvSpPr>
         <p:spPr>
           <a:xfrm>
-            <a:off x="581192" y="1485900"/>
-            <a:ext cx="11029615" cy="685800"/>
+            <a:off x="581192" y="1399032"/>
+            <a:ext cx="11029615" cy="941832"/>
           </a:xfrm>
         </p:spPr>
         <p:txBody>
           <a:bodyPr>
-            <a:normAutofit fontScale="92500" lnSpcReduction="10000"/>
+            <a:normAutofit/>
           </a:bodyPr>
           <a:lstStyle/>
           <a:p>
             <a:r>
               <a:rPr lang="en-US" dirty="0"/>
-              <a:t>Set up the destination folder (</a:t>
-            </a:r>
-            <a:r>
-              <a:rPr lang="en-US" dirty="0" err="1"/>
-              <a:t>PostGIS</a:t>
-            </a:r>
+              <a:t>Type the password you set up earlier when you install PostgreSQL</a:t>
+            </a:r>
+          </a:p>
+          <a:p>
             <a:r>
               <a:rPr lang="en-US" dirty="0"/>
-              <a:t> must be installed within the PostgreSQL folder where PostgreSQL is stored)</a:t>
-            </a:r>
-          </a:p>
-          <a:p>
-            <a:r>
-              <a:rPr lang="en-US" dirty="0"/>
-              <a:t>If you accept the default path (C:\) when you install PostgreSQL, in this step, please also accept the default path</a:t>
+              <a:t>Accept all the suggested parameters</a:t>
             </a:r>
           </a:p>
         </p:txBody>
       </p:sp>
       <p:pic>
         <p:nvPicPr>
-          <p:cNvPr id="7" name="Picture 6">
+          <p:cNvPr id="5" name="Picture 4">
             <a:extLst>
               <a:ext uri="{FF2B5EF4-FFF2-40B4-BE49-F238E27FC236}">
-                <a16:creationId xmlns:a16="http://schemas.microsoft.com/office/drawing/2014/main" id="{88832CD7-B226-CD0A-5DF2-0F07A767BC14}"/>
+                <a16:creationId xmlns:a16="http://schemas.microsoft.com/office/drawing/2014/main" id="{F0820A3C-F25D-926B-F336-92DD3BCE4BC0}"/>
               </a:ext>
             </a:extLst>
           </p:cNvPr>
@@ -4977,8 +4760,38 @@
         </p:blipFill>
         <p:spPr>
           <a:xfrm>
-            <a:off x="4085071" y="2698734"/>
-            <a:ext cx="4714875" cy="3667125"/>
+            <a:off x="815172" y="2852928"/>
+            <a:ext cx="4714875" cy="3657600"/>
+          </a:xfrm>
+          <a:prstGeom prst="rect">
+            <a:avLst/>
+          </a:prstGeom>
+        </p:spPr>
+      </p:pic>
+      <p:pic>
+        <p:nvPicPr>
+          <p:cNvPr id="7" name="Picture 6">
+            <a:extLst>
+              <a:ext uri="{FF2B5EF4-FFF2-40B4-BE49-F238E27FC236}">
+                <a16:creationId xmlns:a16="http://schemas.microsoft.com/office/drawing/2014/main" id="{AA05C307-DB8E-E3CC-D0F6-2E324BEDB3CE}"/>
+              </a:ext>
+            </a:extLst>
+          </p:cNvPr>
+          <p:cNvPicPr>
+            <a:picLocks noChangeAspect="1"/>
+          </p:cNvPicPr>
+          <p:nvPr/>
+        </p:nvPicPr>
+        <p:blipFill>
+          <a:blip r:embed="rId3"/>
+          <a:stretch>
+            <a:fillRect/>
+          </a:stretch>
+        </p:blipFill>
+        <p:spPr>
+          <a:xfrm>
+            <a:off x="6220206" y="2814828"/>
+            <a:ext cx="4762500" cy="3695700"/>
           </a:xfrm>
           <a:prstGeom prst="rect">
             <a:avLst/>
@@ -4988,7 +4801,7 @@
     </p:spTree>
     <p:extLst>
       <p:ext uri="{BB962C8B-B14F-4D97-AF65-F5344CB8AC3E}">
-        <p14:creationId xmlns:p14="http://schemas.microsoft.com/office/powerpoint/2010/main" val="19565603"/>
+        <p14:creationId xmlns:p14="http://schemas.microsoft.com/office/powerpoint/2010/main" val="1746791407"/>
       </p:ext>
     </p:extLst>
   </p:cSld>
@@ -5020,7 +4833,7 @@
           <p:cNvPr id="2" name="Title 1">
             <a:extLst>
               <a:ext uri="{FF2B5EF4-FFF2-40B4-BE49-F238E27FC236}">
-                <a16:creationId xmlns:a16="http://schemas.microsoft.com/office/drawing/2014/main" id="{1AE27A90-D587-F32D-AC89-E3CE7D94A21B}"/>
+                <a16:creationId xmlns:a16="http://schemas.microsoft.com/office/drawing/2014/main" id="{4D6C5D8E-52C0-9CDA-ED9D-B92E263262C8}"/>
               </a:ext>
             </a:extLst>
           </p:cNvPr>
@@ -5034,7 +4847,7 @@
         <p:spPr>
           <a:xfrm>
             <a:off x="581192" y="702156"/>
-            <a:ext cx="11029616" cy="596292"/>
+            <a:ext cx="11029616" cy="532284"/>
           </a:xfrm>
         </p:spPr>
         <p:txBody>
@@ -5043,8 +4856,13 @@
           <a:p>
             <a:r>
               <a:rPr lang="en-US" dirty="0"/>
-              <a:t>installation</a:t>
-            </a:r>
+              <a:t>Two popular tools come with </a:t>
+            </a:r>
+            <a:r>
+              <a:rPr lang="en-US" dirty="0" err="1"/>
+              <a:t>postgresql</a:t>
+            </a:r>
+            <a:endParaRPr lang="en-US" dirty="0"/>
           </a:p>
         </p:txBody>
       </p:sp>
@@ -5053,7 +4871,7 @@
           <p:cNvPr id="3" name="Content Placeholder 2">
             <a:extLst>
               <a:ext uri="{FF2B5EF4-FFF2-40B4-BE49-F238E27FC236}">
-                <a16:creationId xmlns:a16="http://schemas.microsoft.com/office/drawing/2014/main" id="{A2839BFB-6CB5-C0A9-61F1-41ACEC15E726}"/>
+                <a16:creationId xmlns:a16="http://schemas.microsoft.com/office/drawing/2014/main" id="{554C0E5F-92CA-3161-DB41-7CBB204B4AFF}"/>
               </a:ext>
             </a:extLst>
           </p:cNvPr>
@@ -5066,93 +4884,90 @@
         </p:nvSpPr>
         <p:spPr>
           <a:xfrm>
-            <a:off x="581192" y="1399032"/>
-            <a:ext cx="11029615" cy="941832"/>
+            <a:off x="581193" y="1444752"/>
+            <a:ext cx="11029615" cy="2798064"/>
           </a:xfrm>
         </p:spPr>
         <p:txBody>
           <a:bodyPr>
-            <a:normAutofit/>
+            <a:normAutofit fontScale="92500" lnSpcReduction="20000"/>
           </a:bodyPr>
           <a:lstStyle/>
           <a:p>
             <a:r>
+              <a:rPr lang="en-US" dirty="0">
+                <a:hlinkClick r:id="rId2"/>
+              </a:rPr>
+              <a:t>pdAdmin</a:t>
+            </a:r>
+            <a:endParaRPr lang="en-US" dirty="0"/>
+          </a:p>
+          <a:p>
+            <a:pPr lvl="1"/>
+            <a:r>
               <a:rPr lang="en-US" dirty="0"/>
-              <a:t>Type the password you set up earlier when you install PostgreSQL</a:t>
-            </a:r>
-          </a:p>
-          <a:p>
+              <a:t>Graphical User Interface</a:t>
+            </a:r>
+          </a:p>
+          <a:p>
+            <a:pPr lvl="1"/>
             <a:r>
               <a:rPr lang="en-US" dirty="0"/>
-              <a:t>Accept the database name</a:t>
-            </a:r>
-          </a:p>
-        </p:txBody>
-      </p:sp>
-      <p:pic>
-        <p:nvPicPr>
-          <p:cNvPr id="5" name="Picture 4">
-            <a:extLst>
-              <a:ext uri="{FF2B5EF4-FFF2-40B4-BE49-F238E27FC236}">
-                <a16:creationId xmlns:a16="http://schemas.microsoft.com/office/drawing/2014/main" id="{F0820A3C-F25D-926B-F336-92DD3BCE4BC0}"/>
-              </a:ext>
-            </a:extLst>
-          </p:cNvPr>
-          <p:cNvPicPr>
-            <a:picLocks noChangeAspect="1"/>
-          </p:cNvPicPr>
-          <p:nvPr/>
-        </p:nvPicPr>
-        <p:blipFill>
-          <a:blip r:embed="rId2"/>
-          <a:stretch>
-            <a:fillRect/>
-          </a:stretch>
-        </p:blipFill>
-        <p:spPr>
-          <a:xfrm>
-            <a:off x="815172" y="2852928"/>
-            <a:ext cx="4714875" cy="3657600"/>
-          </a:xfrm>
-          <a:prstGeom prst="rect">
-            <a:avLst/>
-          </a:prstGeom>
-        </p:spPr>
-      </p:pic>
-      <p:pic>
-        <p:nvPicPr>
-          <p:cNvPr id="7" name="Picture 6">
-            <a:extLst>
-              <a:ext uri="{FF2B5EF4-FFF2-40B4-BE49-F238E27FC236}">
-                <a16:creationId xmlns:a16="http://schemas.microsoft.com/office/drawing/2014/main" id="{AA05C307-DB8E-E3CC-D0F6-2E324BEDB3CE}"/>
-              </a:ext>
-            </a:extLst>
-          </p:cNvPr>
-          <p:cNvPicPr>
-            <a:picLocks noChangeAspect="1"/>
-          </p:cNvPicPr>
-          <p:nvPr/>
-        </p:nvPicPr>
-        <p:blipFill>
-          <a:blip r:embed="rId3"/>
-          <a:stretch>
-            <a:fillRect/>
-          </a:stretch>
-        </p:blipFill>
-        <p:spPr>
-          <a:xfrm>
-            <a:off x="6220206" y="2814828"/>
-            <a:ext cx="4762500" cy="3695700"/>
-          </a:xfrm>
-          <a:prstGeom prst="rect">
-            <a:avLst/>
-          </a:prstGeom>
-        </p:spPr>
-      </p:pic>
+              <a:t>SQL Editor</a:t>
+            </a:r>
+          </a:p>
+          <a:p>
+            <a:pPr lvl="1"/>
+            <a:r>
+              <a:rPr lang="en-US" dirty="0"/>
+              <a:t>Database Management</a:t>
+            </a:r>
+          </a:p>
+          <a:p>
+            <a:pPr lvl="1"/>
+            <a:r>
+              <a:rPr lang="en-US" dirty="0"/>
+              <a:t>Multi-Platform</a:t>
+            </a:r>
+          </a:p>
+          <a:p>
+            <a:pPr lvl="1"/>
+            <a:r>
+              <a:rPr lang="en-US" sz="1600" b="0" i="0" u="none" strike="noStrike" baseline="0" dirty="0">
+                <a:solidFill>
+                  <a:srgbClr val="0098A8"/>
+                </a:solidFill>
+                <a:latin typeface="LiberationSans"/>
+                <a:hlinkClick r:id="rId3"/>
+              </a:rPr>
+              <a:t>https://github.com/pgadmin-org/pgadmin4</a:t>
+            </a:r>
+            <a:endParaRPr lang="en-US" dirty="0"/>
+          </a:p>
+          <a:p>
+            <a:pPr lvl="1"/>
+            <a:endParaRPr lang="en-US" dirty="0"/>
+          </a:p>
+          <a:p>
+            <a:r>
+              <a:rPr lang="en-US" dirty="0" err="1"/>
+              <a:t>psql</a:t>
+            </a:r>
+            <a:endParaRPr lang="en-US" dirty="0"/>
+          </a:p>
+          <a:p>
+            <a:pPr lvl="1"/>
+            <a:r>
+              <a:rPr lang="en-US" dirty="0"/>
+              <a:t>Command-line Interface</a:t>
+            </a:r>
+          </a:p>
+        </p:txBody>
+      </p:sp>
     </p:spTree>
     <p:extLst>
       <p:ext uri="{BB962C8B-B14F-4D97-AF65-F5344CB8AC3E}">
-        <p14:creationId xmlns:p14="http://schemas.microsoft.com/office/powerpoint/2010/main" val="1746791407"/>
+        <p14:creationId xmlns:p14="http://schemas.microsoft.com/office/powerpoint/2010/main" val="37406347"/>
       </p:ext>
     </p:extLst>
   </p:cSld>
@@ -5179,12 +4994,257 @@
           <a:chExt cx="0" cy="0"/>
         </a:xfrm>
       </p:grpSpPr>
+      <p:sp>
+        <p:nvSpPr>
+          <p:cNvPr id="2" name="Title 1">
+            <a:extLst>
+              <a:ext uri="{FF2B5EF4-FFF2-40B4-BE49-F238E27FC236}">
+                <a16:creationId xmlns:a16="http://schemas.microsoft.com/office/drawing/2014/main" id="{208129B6-CD3B-FFD0-0D91-883134D096C0}"/>
+              </a:ext>
+            </a:extLst>
+          </p:cNvPr>
+          <p:cNvSpPr>
+            <a:spLocks noGrp="1"/>
+          </p:cNvSpPr>
+          <p:nvPr>
+            <p:ph type="title"/>
+          </p:nvPr>
+        </p:nvSpPr>
+        <p:spPr>
+          <a:xfrm>
+            <a:off x="581192" y="702156"/>
+            <a:ext cx="11029616" cy="667512"/>
+          </a:xfrm>
+        </p:spPr>
+        <p:txBody>
+          <a:bodyPr/>
+          <a:lstStyle/>
+          <a:p>
+            <a:r>
+              <a:rPr lang="en-US" dirty="0"/>
+              <a:t>Access </a:t>
+            </a:r>
+            <a:r>
+              <a:rPr lang="en-US" dirty="0" err="1"/>
+              <a:t>pgadmin</a:t>
+            </a:r>
+            <a:r>
+              <a:rPr lang="en-US" dirty="0"/>
+              <a:t> 4</a:t>
+            </a:r>
+          </a:p>
+        </p:txBody>
+      </p:sp>
+      <p:sp>
+        <p:nvSpPr>
+          <p:cNvPr id="3" name="Content Placeholder 2">
+            <a:extLst>
+              <a:ext uri="{FF2B5EF4-FFF2-40B4-BE49-F238E27FC236}">
+                <a16:creationId xmlns:a16="http://schemas.microsoft.com/office/drawing/2014/main" id="{D1AE227B-A430-4471-54C1-5F6BC137AFD9}"/>
+              </a:ext>
+            </a:extLst>
+          </p:cNvPr>
+          <p:cNvSpPr>
+            <a:spLocks noGrp="1"/>
+          </p:cNvSpPr>
+          <p:nvPr>
+            <p:ph idx="1"/>
+          </p:nvPr>
+        </p:nvSpPr>
+        <p:spPr>
+          <a:xfrm>
+            <a:off x="581192" y="1554480"/>
+            <a:ext cx="11029615" cy="1426464"/>
+          </a:xfrm>
+        </p:spPr>
+        <p:txBody>
+          <a:bodyPr>
+            <a:normAutofit/>
+          </a:bodyPr>
+          <a:lstStyle/>
+          <a:p>
+            <a:r>
+              <a:rPr lang="en-US" dirty="0"/>
+              <a:t>By installing PostgreSQL you will automatically get the </a:t>
+            </a:r>
+            <a:r>
+              <a:rPr lang="en-US" dirty="0" err="1"/>
+              <a:t>PgAdmin</a:t>
+            </a:r>
+            <a:r>
+              <a:rPr lang="en-US" dirty="0"/>
+              <a:t> as well.</a:t>
+            </a:r>
+          </a:p>
+          <a:p>
+            <a:endParaRPr lang="en-US" dirty="0"/>
+          </a:p>
+          <a:p>
+            <a:r>
+              <a:rPr lang="en-US" dirty="0"/>
+              <a:t>Open </a:t>
+            </a:r>
+            <a:r>
+              <a:rPr lang="en-US" dirty="0" err="1"/>
+              <a:t>PgAdmin</a:t>
+            </a:r>
+            <a:r>
+              <a:rPr lang="en-US" dirty="0"/>
+              <a:t> and set up the password for it (It is recommended using the password for PostgreSQL)</a:t>
+            </a:r>
+          </a:p>
+          <a:p>
+            <a:endParaRPr lang="en-US" dirty="0"/>
+          </a:p>
+        </p:txBody>
+      </p:sp>
+    </p:spTree>
+    <p:extLst>
+      <p:ext uri="{BB962C8B-B14F-4D97-AF65-F5344CB8AC3E}">
+        <p14:creationId xmlns:p14="http://schemas.microsoft.com/office/powerpoint/2010/main" val="885401444"/>
+      </p:ext>
+    </p:extLst>
+  </p:cSld>
+  <p:clrMapOvr>
+    <a:masterClrMapping/>
+  </p:clrMapOvr>
+</p:sld>
+</file>
+
+<file path=ppt/slides/slide16.xml><?xml version="1.0" encoding="utf-8"?>
+<p:sld xmlns:a="http://schemas.openxmlformats.org/drawingml/2006/main" xmlns:r="http://schemas.openxmlformats.org/officeDocument/2006/relationships" xmlns:p="http://schemas.openxmlformats.org/presentationml/2006/main">
+  <p:cSld>
+    <p:spTree>
+      <p:nvGrpSpPr>
+        <p:cNvPr id="1" name=""/>
+        <p:cNvGrpSpPr/>
+        <p:nvPr/>
+      </p:nvGrpSpPr>
+      <p:grpSpPr>
+        <a:xfrm>
+          <a:off x="0" y="0"/>
+          <a:ext cx="0" cy="0"/>
+          <a:chOff x="0" y="0"/>
+          <a:chExt cx="0" cy="0"/>
+        </a:xfrm>
+      </p:grpSpPr>
+      <p:sp>
+        <p:nvSpPr>
+          <p:cNvPr id="2" name="Title 1">
+            <a:extLst>
+              <a:ext uri="{FF2B5EF4-FFF2-40B4-BE49-F238E27FC236}">
+                <a16:creationId xmlns:a16="http://schemas.microsoft.com/office/drawing/2014/main" id="{F8E88C8E-72C2-055A-0571-6119B8A0C265}"/>
+              </a:ext>
+            </a:extLst>
+          </p:cNvPr>
+          <p:cNvSpPr>
+            <a:spLocks noGrp="1"/>
+          </p:cNvSpPr>
+          <p:nvPr>
+            <p:ph type="title"/>
+          </p:nvPr>
+        </p:nvSpPr>
+        <p:spPr>
+          <a:xfrm>
+            <a:off x="581192" y="702156"/>
+            <a:ext cx="11029616" cy="541428"/>
+          </a:xfrm>
+        </p:spPr>
+        <p:txBody>
+          <a:bodyPr/>
+          <a:lstStyle/>
+          <a:p>
+            <a:r>
+              <a:rPr lang="en-US" dirty="0"/>
+              <a:t>Databases under server</a:t>
+            </a:r>
+          </a:p>
+        </p:txBody>
+      </p:sp>
+      <p:sp>
+        <p:nvSpPr>
+          <p:cNvPr id="3" name="Content Placeholder 2">
+            <a:extLst>
+              <a:ext uri="{FF2B5EF4-FFF2-40B4-BE49-F238E27FC236}">
+                <a16:creationId xmlns:a16="http://schemas.microsoft.com/office/drawing/2014/main" id="{0B793DED-95A1-50F7-D917-CC627AE0DBA8}"/>
+              </a:ext>
+            </a:extLst>
+          </p:cNvPr>
+          <p:cNvSpPr>
+            <a:spLocks noGrp="1"/>
+          </p:cNvSpPr>
+          <p:nvPr>
+            <p:ph idx="1"/>
+          </p:nvPr>
+        </p:nvSpPr>
+        <p:spPr>
+          <a:xfrm>
+            <a:off x="581192" y="1362456"/>
+            <a:ext cx="11029615" cy="2545402"/>
+          </a:xfrm>
+        </p:spPr>
+        <p:txBody>
+          <a:bodyPr>
+            <a:normAutofit/>
+          </a:bodyPr>
+          <a:lstStyle/>
+          <a:p>
+            <a:r>
+              <a:rPr lang="en-US" dirty="0"/>
+              <a:t>The server contains two databases</a:t>
+            </a:r>
+          </a:p>
+          <a:p>
+            <a:pPr lvl="1"/>
+            <a:r>
+              <a:rPr lang="en-US" sz="1800" dirty="0"/>
+              <a:t>One is the default </a:t>
+            </a:r>
+            <a:r>
+              <a:rPr lang="en-US" sz="1800" dirty="0" err="1"/>
+              <a:t>postgres</a:t>
+            </a:r>
+            <a:r>
+              <a:rPr lang="en-US" sz="1800" dirty="0"/>
+              <a:t> database</a:t>
+            </a:r>
+          </a:p>
+          <a:p>
+            <a:pPr lvl="1"/>
+            <a:r>
+              <a:rPr lang="en-US" sz="1800" dirty="0"/>
+              <a:t>The other one is the database we created while installing PostgreSQL</a:t>
+            </a:r>
+          </a:p>
+          <a:p>
+            <a:pPr lvl="1"/>
+            <a:r>
+              <a:rPr lang="en-US" sz="1800" dirty="0"/>
+              <a:t>If one of the servers has a red cross on it means that it is not connected</a:t>
+            </a:r>
+          </a:p>
+          <a:p>
+            <a:pPr lvl="2"/>
+            <a:r>
+              <a:rPr lang="en-US" sz="1800" dirty="0"/>
+              <a:t>You can check on it to have access</a:t>
+            </a:r>
+          </a:p>
+          <a:p>
+            <a:pPr lvl="2"/>
+            <a:r>
+              <a:rPr lang="en-US" sz="1800" dirty="0"/>
+              <a:t>Sometimes you are required to provide the password</a:t>
+            </a:r>
+          </a:p>
+        </p:txBody>
+      </p:sp>
       <p:pic>
         <p:nvPicPr>
           <p:cNvPr id="5" name="Picture 4">
             <a:extLst>
               <a:ext uri="{FF2B5EF4-FFF2-40B4-BE49-F238E27FC236}">
-                <a16:creationId xmlns:a16="http://schemas.microsoft.com/office/drawing/2014/main" id="{241004AA-09CC-E648-1B7E-E7DA0406C962}"/>
+                <a16:creationId xmlns:a16="http://schemas.microsoft.com/office/drawing/2014/main" id="{35C7EE35-2885-120C-5CD4-9490911DF756}"/>
               </a:ext>
             </a:extLst>
           </p:cNvPr>
@@ -5201,20 +5261,195 @@
         </p:blipFill>
         <p:spPr>
           <a:xfrm>
-            <a:off x="128805" y="2648118"/>
-            <a:ext cx="5106113" cy="2172003"/>
+            <a:off x="3708834" y="3907858"/>
+            <a:ext cx="6220164" cy="2377340"/>
           </a:xfrm>
           <a:prstGeom prst="rect">
             <a:avLst/>
           </a:prstGeom>
         </p:spPr>
       </p:pic>
+    </p:spTree>
+    <p:extLst>
+      <p:ext uri="{BB962C8B-B14F-4D97-AF65-F5344CB8AC3E}">
+        <p14:creationId xmlns:p14="http://schemas.microsoft.com/office/powerpoint/2010/main" val="569574396"/>
+      </p:ext>
+    </p:extLst>
+  </p:cSld>
+  <p:clrMapOvr>
+    <a:masterClrMapping/>
+  </p:clrMapOvr>
+</p:sld>
+</file>
+
+<file path=ppt/slides/slide17.xml><?xml version="1.0" encoding="utf-8"?>
+<p:sld xmlns:a="http://schemas.openxmlformats.org/drawingml/2006/main" xmlns:r="http://schemas.openxmlformats.org/officeDocument/2006/relationships" xmlns:p="http://schemas.openxmlformats.org/presentationml/2006/main">
+  <p:cSld>
+    <p:spTree>
+      <p:nvGrpSpPr>
+        <p:cNvPr id="1" name=""/>
+        <p:cNvGrpSpPr/>
+        <p:nvPr/>
+      </p:nvGrpSpPr>
+      <p:grpSpPr>
+        <a:xfrm>
+          <a:off x="0" y="0"/>
+          <a:ext cx="0" cy="0"/>
+          <a:chOff x="0" y="0"/>
+          <a:chExt cx="0" cy="0"/>
+        </a:xfrm>
+      </p:grpSpPr>
+      <p:sp>
+        <p:nvSpPr>
+          <p:cNvPr id="2" name="Title 1">
+            <a:extLst>
+              <a:ext uri="{FF2B5EF4-FFF2-40B4-BE49-F238E27FC236}">
+                <a16:creationId xmlns:a16="http://schemas.microsoft.com/office/drawing/2014/main" id="{AADB0958-AE2C-B2C1-5B7C-F20B31A23CC4}"/>
+              </a:ext>
+            </a:extLst>
+          </p:cNvPr>
+          <p:cNvSpPr>
+            <a:spLocks noGrp="1"/>
+          </p:cNvSpPr>
+          <p:nvPr>
+            <p:ph type="title"/>
+          </p:nvPr>
+        </p:nvSpPr>
+        <p:spPr>
+          <a:xfrm>
+            <a:off x="581192" y="702156"/>
+            <a:ext cx="11029616" cy="550572"/>
+          </a:xfrm>
+        </p:spPr>
+        <p:txBody>
+          <a:bodyPr/>
+          <a:lstStyle/>
+          <a:p>
+            <a:r>
+              <a:rPr lang="en-US" dirty="0"/>
+              <a:t>Check extension under</a:t>
+            </a:r>
+          </a:p>
+        </p:txBody>
+      </p:sp>
+      <p:sp>
+        <p:nvSpPr>
+          <p:cNvPr id="3" name="Content Placeholder 2">
+            <a:extLst>
+              <a:ext uri="{FF2B5EF4-FFF2-40B4-BE49-F238E27FC236}">
+                <a16:creationId xmlns:a16="http://schemas.microsoft.com/office/drawing/2014/main" id="{4690FDB6-1A27-2624-C3B4-FA6EC334472B}"/>
+              </a:ext>
+            </a:extLst>
+          </p:cNvPr>
+          <p:cNvSpPr>
+            <a:spLocks noGrp="1"/>
+          </p:cNvSpPr>
+          <p:nvPr>
+            <p:ph idx="1"/>
+          </p:nvPr>
+        </p:nvSpPr>
+        <p:spPr>
+          <a:xfrm>
+            <a:off x="581192" y="1344292"/>
+            <a:ext cx="11029615" cy="1481203"/>
+          </a:xfrm>
+        </p:spPr>
+        <p:txBody>
+          <a:bodyPr>
+            <a:normAutofit fontScale="92500" lnSpcReduction="10000"/>
+          </a:bodyPr>
+          <a:lstStyle/>
+          <a:p>
+            <a:r>
+              <a:rPr lang="en-US" dirty="0"/>
+              <a:t>The default extension is </a:t>
+            </a:r>
+            <a:r>
+              <a:rPr lang="en-US" dirty="0" err="1"/>
+              <a:t>plpgsql</a:t>
+            </a:r>
+            <a:endParaRPr lang="en-US" dirty="0"/>
+          </a:p>
+          <a:p>
+            <a:r>
+              <a:rPr lang="en-US" dirty="0"/>
+              <a:t>Adding </a:t>
+            </a:r>
+            <a:r>
+              <a:rPr lang="en-US" dirty="0" err="1"/>
+              <a:t>postgis</a:t>
+            </a:r>
+            <a:r>
+              <a:rPr lang="en-US" dirty="0"/>
+              <a:t> extension through Query tool</a:t>
+            </a:r>
+          </a:p>
+          <a:p>
+            <a:r>
+              <a:rPr lang="en-US" dirty="0"/>
+              <a:t>Type ‘’CREATE EXTENSION </a:t>
+            </a:r>
+            <a:r>
+              <a:rPr lang="en-US" dirty="0" err="1"/>
+              <a:t>postgis</a:t>
+            </a:r>
+            <a:r>
+              <a:rPr lang="en-US" dirty="0"/>
+              <a:t>’’ in Query</a:t>
+            </a:r>
+          </a:p>
+          <a:p>
+            <a:r>
+              <a:rPr lang="en-US" dirty="0"/>
+              <a:t>Then the </a:t>
+            </a:r>
+            <a:r>
+              <a:rPr lang="en-US" dirty="0" err="1"/>
+              <a:t>postgis</a:t>
+            </a:r>
+            <a:r>
+              <a:rPr lang="en-US" dirty="0"/>
+              <a:t> extension was created under Extensions</a:t>
+            </a:r>
+          </a:p>
+        </p:txBody>
+      </p:sp>
       <p:pic>
         <p:nvPicPr>
-          <p:cNvPr id="7" name="Picture 6">
+          <p:cNvPr id="5" name="Picture 4">
             <a:extLst>
               <a:ext uri="{FF2B5EF4-FFF2-40B4-BE49-F238E27FC236}">
-                <a16:creationId xmlns:a16="http://schemas.microsoft.com/office/drawing/2014/main" id="{856B207A-997D-E97A-73AF-84F689177BDB}"/>
+                <a16:creationId xmlns:a16="http://schemas.microsoft.com/office/drawing/2014/main" id="{9EAF39A8-F7A6-95DD-B51F-9AF17A0AC404}"/>
+              </a:ext>
+            </a:extLst>
+          </p:cNvPr>
+          <p:cNvPicPr>
+            <a:picLocks noChangeAspect="1"/>
+          </p:cNvPicPr>
+          <p:nvPr/>
+        </p:nvPicPr>
+        <p:blipFill>
+          <a:blip r:embed="rId2"/>
+          <a:stretch>
+            <a:fillRect/>
+          </a:stretch>
+        </p:blipFill>
+        <p:spPr>
+          <a:xfrm>
+            <a:off x="757641" y="3429000"/>
+            <a:ext cx="2952750" cy="2390775"/>
+          </a:xfrm>
+          <a:prstGeom prst="rect">
+            <a:avLst/>
+          </a:prstGeom>
+        </p:spPr>
+      </p:pic>
+      <p:pic>
+        <p:nvPicPr>
+          <p:cNvPr id="9" name="Picture 8">
+            <a:extLst>
+              <a:ext uri="{FF2B5EF4-FFF2-40B4-BE49-F238E27FC236}">
+                <a16:creationId xmlns:a16="http://schemas.microsoft.com/office/drawing/2014/main" id="{DBF502CC-757E-77CA-1C1D-DEC162F9CC3D}"/>
               </a:ext>
             </a:extLst>
           </p:cNvPr>
@@ -5231,51 +5466,18 @@
         </p:blipFill>
         <p:spPr>
           <a:xfrm>
-            <a:off x="5481981" y="882821"/>
-            <a:ext cx="6186019" cy="5702596"/>
+            <a:off x="5340309" y="3197208"/>
+            <a:ext cx="6270498" cy="3415836"/>
           </a:xfrm>
           <a:prstGeom prst="rect">
             <a:avLst/>
           </a:prstGeom>
         </p:spPr>
       </p:pic>
-      <p:sp>
-        <p:nvSpPr>
-          <p:cNvPr id="8" name="Title 1">
-            <a:extLst>
-              <a:ext uri="{FF2B5EF4-FFF2-40B4-BE49-F238E27FC236}">
-                <a16:creationId xmlns:a16="http://schemas.microsoft.com/office/drawing/2014/main" id="{D755136C-2E95-A2F8-F11B-0B4F205B5CDF}"/>
-              </a:ext>
-            </a:extLst>
-          </p:cNvPr>
-          <p:cNvSpPr>
-            <a:spLocks noGrp="1"/>
-          </p:cNvSpPr>
-          <p:nvPr>
-            <p:ph type="title"/>
-          </p:nvPr>
-        </p:nvSpPr>
-        <p:spPr>
-          <a:xfrm>
-            <a:off x="581025" y="701675"/>
-            <a:ext cx="11029950" cy="588110"/>
-          </a:xfrm>
-        </p:spPr>
-        <p:txBody>
-          <a:bodyPr/>
-          <a:lstStyle/>
-          <a:p>
-            <a:r>
-              <a:rPr lang="en-US" dirty="0"/>
-              <a:t>PGADMIN</a:t>
-            </a:r>
-          </a:p>
-        </p:txBody>
-      </p:sp>
     </p:spTree>
     <p:extLst>
       <p:ext uri="{BB962C8B-B14F-4D97-AF65-F5344CB8AC3E}">
-        <p14:creationId xmlns:p14="http://schemas.microsoft.com/office/powerpoint/2010/main" val="1419218109"/>
+        <p14:creationId xmlns:p14="http://schemas.microsoft.com/office/powerpoint/2010/main" val="1857406290"/>
       </p:ext>
     </p:extLst>
   </p:cSld>
@@ -5285,7 +5487,176 @@
 </p:sld>
 </file>
 
-<file path=ppt/slides/slide16.xml><?xml version="1.0" encoding="utf-8"?>
+<file path=ppt/slides/slide18.xml><?xml version="1.0" encoding="utf-8"?>
+<p:sld xmlns:a="http://schemas.openxmlformats.org/drawingml/2006/main" xmlns:r="http://schemas.openxmlformats.org/officeDocument/2006/relationships" xmlns:p="http://schemas.openxmlformats.org/presentationml/2006/main">
+  <p:cSld>
+    <p:spTree>
+      <p:nvGrpSpPr>
+        <p:cNvPr id="1" name=""/>
+        <p:cNvGrpSpPr/>
+        <p:nvPr/>
+      </p:nvGrpSpPr>
+      <p:grpSpPr>
+        <a:xfrm>
+          <a:off x="0" y="0"/>
+          <a:ext cx="0" cy="0"/>
+          <a:chOff x="0" y="0"/>
+          <a:chExt cx="0" cy="0"/>
+        </a:xfrm>
+      </p:grpSpPr>
+      <p:sp>
+        <p:nvSpPr>
+          <p:cNvPr id="2" name="Title 1">
+            <a:extLst>
+              <a:ext uri="{FF2B5EF4-FFF2-40B4-BE49-F238E27FC236}">
+                <a16:creationId xmlns:a16="http://schemas.microsoft.com/office/drawing/2014/main" id="{31B56C93-37D4-91E7-54E2-DE30322DD09E}"/>
+              </a:ext>
+            </a:extLst>
+          </p:cNvPr>
+          <p:cNvSpPr>
+            <a:spLocks noGrp="1"/>
+          </p:cNvSpPr>
+          <p:nvPr>
+            <p:ph type="title"/>
+          </p:nvPr>
+        </p:nvSpPr>
+        <p:spPr>
+          <a:xfrm>
+            <a:off x="581192" y="702156"/>
+            <a:ext cx="11029616" cy="568860"/>
+          </a:xfrm>
+        </p:spPr>
+        <p:txBody>
+          <a:bodyPr/>
+          <a:lstStyle/>
+          <a:p>
+            <a:r>
+              <a:rPr lang="en-US" dirty="0"/>
+              <a:t>What if I do not (want to) use </a:t>
+            </a:r>
+            <a:r>
+              <a:rPr lang="en-US" dirty="0" err="1"/>
+              <a:t>pgadmin</a:t>
+            </a:r>
+            <a:endParaRPr lang="en-US" dirty="0"/>
+          </a:p>
+        </p:txBody>
+      </p:sp>
+      <p:sp>
+        <p:nvSpPr>
+          <p:cNvPr id="3" name="Content Placeholder 2">
+            <a:extLst>
+              <a:ext uri="{FF2B5EF4-FFF2-40B4-BE49-F238E27FC236}">
+                <a16:creationId xmlns:a16="http://schemas.microsoft.com/office/drawing/2014/main" id="{10087B82-C2B6-DDFA-BFDE-1FA232CC1694}"/>
+              </a:ext>
+            </a:extLst>
+          </p:cNvPr>
+          <p:cNvSpPr>
+            <a:spLocks noGrp="1"/>
+          </p:cNvSpPr>
+          <p:nvPr>
+            <p:ph idx="1"/>
+          </p:nvPr>
+        </p:nvSpPr>
+        <p:spPr>
+          <a:xfrm>
+            <a:off x="581193" y="1408557"/>
+            <a:ext cx="11029615" cy="1170432"/>
+          </a:xfrm>
+        </p:spPr>
+        <p:txBody>
+          <a:bodyPr>
+            <a:normAutofit/>
+          </a:bodyPr>
+          <a:lstStyle/>
+          <a:p>
+            <a:r>
+              <a:rPr lang="en-US" dirty="0"/>
+              <a:t>PSQL</a:t>
+            </a:r>
+          </a:p>
+          <a:p>
+            <a:r>
+              <a:rPr lang="en-US" dirty="0"/>
+              <a:t>Search SQL Shell in tool</a:t>
+            </a:r>
+          </a:p>
+        </p:txBody>
+      </p:sp>
+      <p:pic>
+        <p:nvPicPr>
+          <p:cNvPr id="5" name="Picture 4">
+            <a:extLst>
+              <a:ext uri="{FF2B5EF4-FFF2-40B4-BE49-F238E27FC236}">
+                <a16:creationId xmlns:a16="http://schemas.microsoft.com/office/drawing/2014/main" id="{7A4BBA7B-805A-D3E9-6280-AC555C727908}"/>
+              </a:ext>
+            </a:extLst>
+          </p:cNvPr>
+          <p:cNvPicPr>
+            <a:picLocks noChangeAspect="1"/>
+          </p:cNvPicPr>
+          <p:nvPr/>
+        </p:nvPicPr>
+        <p:blipFill>
+          <a:blip r:embed="rId2"/>
+          <a:stretch>
+            <a:fillRect/>
+          </a:stretch>
+        </p:blipFill>
+        <p:spPr>
+          <a:xfrm>
+            <a:off x="676465" y="3090862"/>
+            <a:ext cx="3286125" cy="676275"/>
+          </a:xfrm>
+          <a:prstGeom prst="rect">
+            <a:avLst/>
+          </a:prstGeom>
+        </p:spPr>
+      </p:pic>
+      <p:pic>
+        <p:nvPicPr>
+          <p:cNvPr id="7" name="Picture 6">
+            <a:extLst>
+              <a:ext uri="{FF2B5EF4-FFF2-40B4-BE49-F238E27FC236}">
+                <a16:creationId xmlns:a16="http://schemas.microsoft.com/office/drawing/2014/main" id="{EF654C9A-A101-4E53-60D9-B6B41DE493F4}"/>
+              </a:ext>
+            </a:extLst>
+          </p:cNvPr>
+          <p:cNvPicPr>
+            <a:picLocks noChangeAspect="1"/>
+          </p:cNvPicPr>
+          <p:nvPr/>
+        </p:nvPicPr>
+        <p:blipFill>
+          <a:blip r:embed="rId3"/>
+          <a:stretch>
+            <a:fillRect/>
+          </a:stretch>
+        </p:blipFill>
+        <p:spPr>
+          <a:xfrm>
+            <a:off x="4982908" y="3090862"/>
+            <a:ext cx="6962775" cy="3219450"/>
+          </a:xfrm>
+          <a:prstGeom prst="rect">
+            <a:avLst/>
+          </a:prstGeom>
+        </p:spPr>
+      </p:pic>
+    </p:spTree>
+    <p:extLst>
+      <p:ext uri="{BB962C8B-B14F-4D97-AF65-F5344CB8AC3E}">
+        <p14:creationId xmlns:p14="http://schemas.microsoft.com/office/powerpoint/2010/main" val="3620382018"/>
+      </p:ext>
+    </p:extLst>
+  </p:cSld>
+  <p:clrMapOvr>
+    <a:masterClrMapping/>
+  </p:clrMapOvr>
+</p:sld>
+</file>
+
+<file path=ppt/slides/slide19.xml><?xml version="1.0" encoding="utf-8"?>
 <p:sld xmlns:a="http://schemas.openxmlformats.org/drawingml/2006/main" xmlns:r="http://schemas.openxmlformats.org/officeDocument/2006/relationships" xmlns:p="http://schemas.openxmlformats.org/presentationml/2006/main">
   <p:cSld>
     <p:spTree>
@@ -6021,7 +6392,7 @@
         <p:spPr>
           <a:xfrm>
             <a:off x="581193" y="1252727"/>
-            <a:ext cx="11029615" cy="1480847"/>
+            <a:ext cx="11029615" cy="2359153"/>
           </a:xfrm>
         </p:spPr>
         <p:txBody>
@@ -6036,7 +6407,7 @@
             </a:pPr>
             <a:r>
               <a:rPr lang="en-US" dirty="0"/>
-              <a:t>Set up file directory and data directory</a:t>
+              <a:t>Set up file directory and data directory (It is recommended to stick to the path suggested by the installer)</a:t>
             </a:r>
           </a:p>
           <a:p>
@@ -6087,6 +6458,51 @@
               <a:rPr lang="en-US" altLang="zh-CN" sz="1800" dirty="0"/>
               <a:t>You need to use this password to access the database</a:t>
             </a:r>
+          </a:p>
+          <a:p>
+            <a:pPr marL="324000" lvl="1" indent="0">
+              <a:buNone/>
+            </a:pPr>
+            <a:r>
+              <a:rPr lang="en-US" altLang="zh-CN" dirty="0">
+                <a:solidFill>
+                  <a:schemeClr val="accent1">
+                    <a:lumMod val="75000"/>
+                  </a:schemeClr>
+                </a:solidFill>
+              </a:rPr>
+              <a:t>2.2 </a:t>
+            </a:r>
+            <a:r>
+              <a:rPr lang="en-US" altLang="zh-CN" sz="1800" dirty="0"/>
+              <a:t>You will be asked multiple times for creating a password</a:t>
+            </a:r>
+          </a:p>
+          <a:p>
+            <a:pPr marL="324000" lvl="1" indent="0">
+              <a:buNone/>
+            </a:pPr>
+            <a:r>
+              <a:rPr lang="en-US" altLang="zh-CN" b="1" dirty="0">
+                <a:solidFill>
+                  <a:schemeClr val="accent1">
+                    <a:lumMod val="75000"/>
+                  </a:schemeClr>
+                </a:solidFill>
+              </a:rPr>
+              <a:t>2.3</a:t>
+            </a:r>
+            <a:r>
+              <a:rPr lang="en-US" altLang="zh-CN" sz="1800" b="1" dirty="0"/>
+              <a:t> It is wise to choose the same password for all PostgreSQL related programs</a:t>
+            </a:r>
+            <a:endParaRPr lang="en-US" altLang="zh-CN" sz="1800" dirty="0"/>
+          </a:p>
+          <a:p>
+            <a:pPr marL="324000" lvl="1" indent="0">
+              <a:buNone/>
+            </a:pPr>
+            <a:endParaRPr lang="en-US" altLang="zh-CN" sz="1800" dirty="0"/>
           </a:p>
         </p:txBody>
       </p:sp>
@@ -6112,8 +6528,8 @@
         </p:blipFill>
         <p:spPr>
           <a:xfrm>
-            <a:off x="3521202" y="3193188"/>
-            <a:ext cx="5295900" cy="2038350"/>
+            <a:off x="2698241" y="3502152"/>
+            <a:ext cx="6609551" cy="2543964"/>
           </a:xfrm>
           <a:prstGeom prst="rect">
             <a:avLst/>
@@ -6800,7 +7216,7 @@
           <a:p>
             <a:r>
               <a:rPr lang="en-US" dirty="0"/>
-              <a:t>S</a:t>
+              <a:t>In the stack builder, S</a:t>
             </a:r>
             <a:r>
               <a:rPr lang="en-US" altLang="zh-CN" dirty="0"/>
@@ -7163,7 +7579,15 @@
           <a:p>
             <a:r>
               <a:rPr lang="en-US" dirty="0"/>
-              <a:t>Select the database driver and Spatial Extensions</a:t>
+              <a:t>For now, you only need to select </a:t>
+            </a:r>
+            <a:r>
+              <a:rPr lang="en-US" dirty="0" err="1"/>
+              <a:t>PostGIS</a:t>
+            </a:r>
+            <a:r>
+              <a:rPr lang="en-US" dirty="0"/>
+              <a:t> under Spatial Extensions</a:t>
             </a:r>
           </a:p>
         </p:txBody>
